--- a/CourseProject/PkuJava21.pptx
+++ b/CourseProject/PkuJava21.pptx
@@ -226,7 +226,7 @@
           <a:p>
             <a:fld id="{A096D4AE-9FFA-4640-8727-F98B82B97DD4}" type="datetimeFigureOut">
               <a:rPr lang="zh-CN" altLang="en-US" smtClean="0"/>
-              <a:t>2016/1/6</a:t>
+              <a:t>2016/1/7</a:t>
             </a:fld>
             <a:endParaRPr lang="zh-CN" altLang="en-US"/>
           </a:p>
@@ -578,6 +578,445 @@
 </p:notes>
 </file>
 
+<file path=ppt/notesSlides/notesSlide2.xml><?xml version="1.0" encoding="utf-8"?>
+<p:notes xmlns:a="http://schemas.openxmlformats.org/drawingml/2006/main" xmlns:r="http://schemas.openxmlformats.org/officeDocument/2006/relationships" xmlns:p="http://schemas.openxmlformats.org/presentationml/2006/main">
+  <p:cSld>
+    <p:spTree>
+      <p:nvGrpSpPr>
+        <p:cNvPr id="1" name=""/>
+        <p:cNvGrpSpPr/>
+        <p:nvPr/>
+      </p:nvGrpSpPr>
+      <p:grpSpPr>
+        <a:xfrm>
+          <a:off x="0" y="0"/>
+          <a:ext cx="0" cy="0"/>
+          <a:chOff x="0" y="0"/>
+          <a:chExt cx="0" cy="0"/>
+        </a:xfrm>
+      </p:grpSpPr>
+      <p:sp>
+        <p:nvSpPr>
+          <p:cNvPr id="2" name="幻灯片图像占位符 1"/>
+          <p:cNvSpPr>
+            <a:spLocks noGrp="1" noRot="1" noChangeAspect="1"/>
+          </p:cNvSpPr>
+          <p:nvPr>
+            <p:ph type="sldImg"/>
+          </p:nvPr>
+        </p:nvSpPr>
+        <p:spPr/>
+      </p:sp>
+      <p:sp>
+        <p:nvSpPr>
+          <p:cNvPr id="3" name="备注占位符 2"/>
+          <p:cNvSpPr>
+            <a:spLocks noGrp="1"/>
+          </p:cNvSpPr>
+          <p:nvPr>
+            <p:ph type="body" idx="1"/>
+          </p:nvPr>
+        </p:nvSpPr>
+        <p:spPr/>
+        <p:txBody>
+          <a:bodyPr/>
+          <a:lstStyle/>
+          <a:p>
+            <a:endParaRPr lang="zh-CN" altLang="en-US" dirty="0"/>
+          </a:p>
+        </p:txBody>
+      </p:sp>
+      <p:sp>
+        <p:nvSpPr>
+          <p:cNvPr id="4" name="灯片编号占位符 3"/>
+          <p:cNvSpPr>
+            <a:spLocks noGrp="1"/>
+          </p:cNvSpPr>
+          <p:nvPr>
+            <p:ph type="sldNum" sz="quarter" idx="10"/>
+          </p:nvPr>
+        </p:nvSpPr>
+        <p:spPr/>
+        <p:txBody>
+          <a:bodyPr/>
+          <a:lstStyle/>
+          <a:p>
+            <a:fld id="{BB1C4169-5E0C-4B7C-B2E7-07B4271B7678}" type="slidenum">
+              <a:rPr lang="zh-CN" altLang="en-US" smtClean="0"/>
+              <a:t>3</a:t>
+            </a:fld>
+            <a:endParaRPr lang="zh-CN" altLang="en-US"/>
+          </a:p>
+        </p:txBody>
+      </p:sp>
+    </p:spTree>
+    <p:extLst>
+      <p:ext uri="{BB962C8B-B14F-4D97-AF65-F5344CB8AC3E}">
+        <p14:creationId xmlns:p14="http://schemas.microsoft.com/office/powerpoint/2010/main" val="486243470"/>
+      </p:ext>
+    </p:extLst>
+  </p:cSld>
+  <p:clrMapOvr>
+    <a:masterClrMapping/>
+  </p:clrMapOvr>
+</p:notes>
+</file>
+
+<file path=ppt/notesSlides/notesSlide3.xml><?xml version="1.0" encoding="utf-8"?>
+<p:notes xmlns:a="http://schemas.openxmlformats.org/drawingml/2006/main" xmlns:r="http://schemas.openxmlformats.org/officeDocument/2006/relationships" xmlns:p="http://schemas.openxmlformats.org/presentationml/2006/main">
+  <p:cSld>
+    <p:spTree>
+      <p:nvGrpSpPr>
+        <p:cNvPr id="1" name=""/>
+        <p:cNvGrpSpPr/>
+        <p:nvPr/>
+      </p:nvGrpSpPr>
+      <p:grpSpPr>
+        <a:xfrm>
+          <a:off x="0" y="0"/>
+          <a:ext cx="0" cy="0"/>
+          <a:chOff x="0" y="0"/>
+          <a:chExt cx="0" cy="0"/>
+        </a:xfrm>
+      </p:grpSpPr>
+      <p:sp>
+        <p:nvSpPr>
+          <p:cNvPr id="2" name="幻灯片图像占位符 1"/>
+          <p:cNvSpPr>
+            <a:spLocks noGrp="1" noRot="1" noChangeAspect="1"/>
+          </p:cNvSpPr>
+          <p:nvPr>
+            <p:ph type="sldImg"/>
+          </p:nvPr>
+        </p:nvSpPr>
+        <p:spPr/>
+      </p:sp>
+      <p:sp>
+        <p:nvSpPr>
+          <p:cNvPr id="3" name="备注占位符 2"/>
+          <p:cNvSpPr>
+            <a:spLocks noGrp="1"/>
+          </p:cNvSpPr>
+          <p:nvPr>
+            <p:ph type="body" idx="1"/>
+          </p:nvPr>
+        </p:nvSpPr>
+        <p:spPr/>
+        <p:txBody>
+          <a:bodyPr/>
+          <a:lstStyle/>
+          <a:p>
+            <a:pPr marL="0" marR="0" indent="0" algn="l" defTabSz="914400" rtl="0" eaLnBrk="1" fontAlgn="auto" latinLnBrk="0" hangingPunct="1">
+              <a:lnSpc>
+                <a:spcPct val="100000"/>
+              </a:lnSpc>
+              <a:spcBef>
+                <a:spcPts val="0"/>
+              </a:spcBef>
+              <a:spcAft>
+                <a:spcPts val="0"/>
+              </a:spcAft>
+              <a:buClrTx/>
+              <a:buSzTx/>
+              <a:buFontTx/>
+              <a:buNone/>
+              <a:tabLst/>
+              <a:defRPr/>
+            </a:pPr>
+            <a:r>
+              <a:rPr lang="zh-CN" altLang="zh-CN" sz="1200" kern="1200" smtClean="0">
+                <a:solidFill>
+                  <a:schemeClr val="tx1"/>
+                </a:solidFill>
+                <a:effectLst/>
+                <a:latin typeface="+mn-lt"/>
+                <a:ea typeface="+mn-ea"/>
+                <a:cs typeface="+mn-cs"/>
+              </a:rPr>
+              <a:t>在</a:t>
+            </a:r>
+            <a:r>
+              <a:rPr lang="en-US" altLang="zh-CN" sz="1200" kern="1200" smtClean="0">
+                <a:solidFill>
+                  <a:schemeClr val="tx1"/>
+                </a:solidFill>
+                <a:effectLst/>
+                <a:latin typeface="+mn-lt"/>
+                <a:ea typeface="+mn-ea"/>
+                <a:cs typeface="+mn-cs"/>
+              </a:rPr>
+              <a:t>Nutch</a:t>
+            </a:r>
+            <a:r>
+              <a:rPr lang="zh-CN" altLang="zh-CN" sz="1200" kern="1200" smtClean="0">
+                <a:solidFill>
+                  <a:schemeClr val="tx1"/>
+                </a:solidFill>
+                <a:effectLst/>
+                <a:latin typeface="+mn-lt"/>
+                <a:ea typeface="+mn-ea"/>
+                <a:cs typeface="+mn-cs"/>
+              </a:rPr>
+              <a:t>中，</a:t>
+            </a:r>
+            <a:r>
+              <a:rPr lang="en-US" altLang="zh-CN" sz="1200" kern="1200" smtClean="0">
+                <a:solidFill>
+                  <a:schemeClr val="tx1"/>
+                </a:solidFill>
+                <a:effectLst/>
+                <a:latin typeface="+mn-lt"/>
+                <a:ea typeface="+mn-ea"/>
+                <a:cs typeface="+mn-cs"/>
+              </a:rPr>
+              <a:t>Crawler</a:t>
+            </a:r>
+            <a:r>
+              <a:rPr lang="zh-CN" altLang="zh-CN" sz="1200" kern="1200" smtClean="0">
+                <a:solidFill>
+                  <a:schemeClr val="tx1"/>
+                </a:solidFill>
+                <a:effectLst/>
+                <a:latin typeface="+mn-lt"/>
+                <a:ea typeface="+mn-ea"/>
+                <a:cs typeface="+mn-cs"/>
+              </a:rPr>
+              <a:t>操作的实现是通过一系列子操作的实现来完成的。这些子操作</a:t>
+            </a:r>
+            <a:r>
+              <a:rPr lang="en-US" altLang="zh-CN" sz="1200" kern="1200" smtClean="0">
+                <a:solidFill>
+                  <a:schemeClr val="tx1"/>
+                </a:solidFill>
+                <a:effectLst/>
+                <a:latin typeface="+mn-lt"/>
+                <a:ea typeface="+mn-ea"/>
+                <a:cs typeface="+mn-cs"/>
+              </a:rPr>
+              <a:t>Nutch</a:t>
+            </a:r>
+            <a:r>
+              <a:rPr lang="zh-CN" altLang="zh-CN" sz="1200" kern="1200" smtClean="0">
+                <a:solidFill>
+                  <a:schemeClr val="tx1"/>
+                </a:solidFill>
+                <a:effectLst/>
+                <a:latin typeface="+mn-lt"/>
+                <a:ea typeface="+mn-ea"/>
+                <a:cs typeface="+mn-cs"/>
+              </a:rPr>
+              <a:t>都提供了子命令行可以单独进行调用。下面就是这些子操作的功能描述以及命令行，命令行在括号中。</a:t>
+            </a:r>
+          </a:p>
+          <a:p>
+            <a:endParaRPr lang="zh-CN" altLang="en-US"/>
+          </a:p>
+        </p:txBody>
+      </p:sp>
+      <p:sp>
+        <p:nvSpPr>
+          <p:cNvPr id="4" name="灯片编号占位符 3"/>
+          <p:cNvSpPr>
+            <a:spLocks noGrp="1"/>
+          </p:cNvSpPr>
+          <p:nvPr>
+            <p:ph type="sldNum" sz="quarter" idx="10"/>
+          </p:nvPr>
+        </p:nvSpPr>
+        <p:spPr/>
+        <p:txBody>
+          <a:bodyPr/>
+          <a:lstStyle/>
+          <a:p>
+            <a:fld id="{BB1C4169-5E0C-4B7C-B2E7-07B4271B7678}" type="slidenum">
+              <a:rPr lang="zh-CN" altLang="en-US" smtClean="0"/>
+              <a:t>4</a:t>
+            </a:fld>
+            <a:endParaRPr lang="zh-CN" altLang="en-US"/>
+          </a:p>
+        </p:txBody>
+      </p:sp>
+    </p:spTree>
+    <p:extLst>
+      <p:ext uri="{BB962C8B-B14F-4D97-AF65-F5344CB8AC3E}">
+        <p14:creationId xmlns:p14="http://schemas.microsoft.com/office/powerpoint/2010/main" val="4099117842"/>
+      </p:ext>
+    </p:extLst>
+  </p:cSld>
+  <p:clrMapOvr>
+    <a:masterClrMapping/>
+  </p:clrMapOvr>
+</p:notes>
+</file>
+
+<file path=ppt/notesSlides/notesSlide4.xml><?xml version="1.0" encoding="utf-8"?>
+<p:notes xmlns:a="http://schemas.openxmlformats.org/drawingml/2006/main" xmlns:r="http://schemas.openxmlformats.org/officeDocument/2006/relationships" xmlns:p="http://schemas.openxmlformats.org/presentationml/2006/main">
+  <p:cSld>
+    <p:spTree>
+      <p:nvGrpSpPr>
+        <p:cNvPr id="1" name=""/>
+        <p:cNvGrpSpPr/>
+        <p:nvPr/>
+      </p:nvGrpSpPr>
+      <p:grpSpPr>
+        <a:xfrm>
+          <a:off x="0" y="0"/>
+          <a:ext cx="0" cy="0"/>
+          <a:chOff x="0" y="0"/>
+          <a:chExt cx="0" cy="0"/>
+        </a:xfrm>
+      </p:grpSpPr>
+      <p:sp>
+        <p:nvSpPr>
+          <p:cNvPr id="2" name="幻灯片图像占位符 1"/>
+          <p:cNvSpPr>
+            <a:spLocks noGrp="1" noRot="1" noChangeAspect="1"/>
+          </p:cNvSpPr>
+          <p:nvPr>
+            <p:ph type="sldImg"/>
+          </p:nvPr>
+        </p:nvSpPr>
+        <p:spPr/>
+      </p:sp>
+      <p:sp>
+        <p:nvSpPr>
+          <p:cNvPr id="3" name="备注占位符 2"/>
+          <p:cNvSpPr>
+            <a:spLocks noGrp="1"/>
+          </p:cNvSpPr>
+          <p:nvPr>
+            <p:ph type="body" idx="1"/>
+          </p:nvPr>
+        </p:nvSpPr>
+        <p:spPr/>
+        <p:txBody>
+          <a:bodyPr/>
+          <a:lstStyle/>
+          <a:p>
+            <a:endParaRPr lang="zh-CN" altLang="en-US" dirty="0"/>
+          </a:p>
+        </p:txBody>
+      </p:sp>
+      <p:sp>
+        <p:nvSpPr>
+          <p:cNvPr id="4" name="灯片编号占位符 3"/>
+          <p:cNvSpPr>
+            <a:spLocks noGrp="1"/>
+          </p:cNvSpPr>
+          <p:nvPr>
+            <p:ph type="sldNum" sz="quarter" idx="10"/>
+          </p:nvPr>
+        </p:nvSpPr>
+        <p:spPr/>
+        <p:txBody>
+          <a:bodyPr/>
+          <a:lstStyle/>
+          <a:p>
+            <a:fld id="{BB1C4169-5E0C-4B7C-B2E7-07B4271B7678}" type="slidenum">
+              <a:rPr lang="zh-CN" altLang="en-US" smtClean="0"/>
+              <a:t>6</a:t>
+            </a:fld>
+            <a:endParaRPr lang="zh-CN" altLang="en-US"/>
+          </a:p>
+        </p:txBody>
+      </p:sp>
+    </p:spTree>
+    <p:extLst>
+      <p:ext uri="{BB962C8B-B14F-4D97-AF65-F5344CB8AC3E}">
+        <p14:creationId xmlns:p14="http://schemas.microsoft.com/office/powerpoint/2010/main" val="1476984071"/>
+      </p:ext>
+    </p:extLst>
+  </p:cSld>
+  <p:clrMapOvr>
+    <a:masterClrMapping/>
+  </p:clrMapOvr>
+</p:notes>
+</file>
+
+<file path=ppt/notesSlides/notesSlide5.xml><?xml version="1.0" encoding="utf-8"?>
+<p:notes xmlns:a="http://schemas.openxmlformats.org/drawingml/2006/main" xmlns:r="http://schemas.openxmlformats.org/officeDocument/2006/relationships" xmlns:p="http://schemas.openxmlformats.org/presentationml/2006/main">
+  <p:cSld>
+    <p:spTree>
+      <p:nvGrpSpPr>
+        <p:cNvPr id="1" name=""/>
+        <p:cNvGrpSpPr/>
+        <p:nvPr/>
+      </p:nvGrpSpPr>
+      <p:grpSpPr>
+        <a:xfrm>
+          <a:off x="0" y="0"/>
+          <a:ext cx="0" cy="0"/>
+          <a:chOff x="0" y="0"/>
+          <a:chExt cx="0" cy="0"/>
+        </a:xfrm>
+      </p:grpSpPr>
+      <p:sp>
+        <p:nvSpPr>
+          <p:cNvPr id="2" name="幻灯片图像占位符 1"/>
+          <p:cNvSpPr>
+            <a:spLocks noGrp="1" noRot="1" noChangeAspect="1"/>
+          </p:cNvSpPr>
+          <p:nvPr>
+            <p:ph type="sldImg"/>
+          </p:nvPr>
+        </p:nvSpPr>
+        <p:spPr/>
+      </p:sp>
+      <p:sp>
+        <p:nvSpPr>
+          <p:cNvPr id="3" name="备注占位符 2"/>
+          <p:cNvSpPr>
+            <a:spLocks noGrp="1"/>
+          </p:cNvSpPr>
+          <p:nvPr>
+            <p:ph type="body" idx="1"/>
+          </p:nvPr>
+        </p:nvSpPr>
+        <p:spPr/>
+        <p:txBody>
+          <a:bodyPr/>
+          <a:lstStyle/>
+          <a:p>
+            <a:endParaRPr lang="zh-CN" altLang="en-US" dirty="0"/>
+          </a:p>
+        </p:txBody>
+      </p:sp>
+      <p:sp>
+        <p:nvSpPr>
+          <p:cNvPr id="4" name="灯片编号占位符 3"/>
+          <p:cNvSpPr>
+            <a:spLocks noGrp="1"/>
+          </p:cNvSpPr>
+          <p:nvPr>
+            <p:ph type="sldNum" sz="quarter" idx="10"/>
+          </p:nvPr>
+        </p:nvSpPr>
+        <p:spPr/>
+        <p:txBody>
+          <a:bodyPr/>
+          <a:lstStyle/>
+          <a:p>
+            <a:fld id="{BB1C4169-5E0C-4B7C-B2E7-07B4271B7678}" type="slidenum">
+              <a:rPr lang="zh-CN" altLang="en-US" smtClean="0"/>
+              <a:t>7</a:t>
+            </a:fld>
+            <a:endParaRPr lang="zh-CN" altLang="en-US"/>
+          </a:p>
+        </p:txBody>
+      </p:sp>
+    </p:spTree>
+    <p:extLst>
+      <p:ext uri="{BB962C8B-B14F-4D97-AF65-F5344CB8AC3E}">
+        <p14:creationId xmlns:p14="http://schemas.microsoft.com/office/powerpoint/2010/main" val="2106939466"/>
+      </p:ext>
+    </p:extLst>
+  </p:cSld>
+  <p:clrMapOvr>
+    <a:masterClrMapping/>
+  </p:clrMapOvr>
+</p:notes>
+</file>
+
 <file path=ppt/slideLayouts/slideLayout1.xml><?xml version="1.0" encoding="utf-8"?>
 <p:sldLayout xmlns:a="http://schemas.openxmlformats.org/drawingml/2006/main" xmlns:r="http://schemas.openxmlformats.org/officeDocument/2006/relationships" xmlns:p="http://schemas.openxmlformats.org/presentationml/2006/main" type="title" preserve="1">
   <p:cSld name="标题幻灯片">
@@ -764,7 +1203,7 @@
           <a:p>
             <a:fld id="{4AAD347D-5ACD-4C99-B74B-A9C85AD731AF}" type="datetimeFigureOut">
               <a:rPr lang="en-US" smtClean="0"/>
-              <a:t>1/6/2016</a:t>
+              <a:t>1/7/2016</a:t>
             </a:fld>
             <a:endParaRPr lang="en-US" dirty="0"/>
           </a:p>
@@ -1039,7 +1478,7 @@
           <a:p>
             <a:fld id="{4509A250-FF31-4206-8172-F9D3106AACB1}" type="datetimeFigureOut">
               <a:rPr lang="en-US" smtClean="0"/>
-              <a:t>1/6/2016</a:t>
+              <a:t>1/7/2016</a:t>
             </a:fld>
             <a:endParaRPr lang="en-US" dirty="0"/>
           </a:p>
@@ -1233,7 +1672,7 @@
           <a:p>
             <a:fld id="{4509A250-FF31-4206-8172-F9D3106AACB1}" type="datetimeFigureOut">
               <a:rPr lang="en-US" smtClean="0"/>
-              <a:t>1/6/2016</a:t>
+              <a:t>1/7/2016</a:t>
             </a:fld>
             <a:endParaRPr lang="en-US" dirty="0"/>
           </a:p>
@@ -1506,7 +1945,7 @@
           <a:p>
             <a:fld id="{4509A250-FF31-4206-8172-F9D3106AACB1}" type="datetimeFigureOut">
               <a:rPr lang="en-US" smtClean="0"/>
-              <a:t>1/6/2016</a:t>
+              <a:t>1/7/2016</a:t>
             </a:fld>
             <a:endParaRPr lang="en-US" dirty="0"/>
           </a:p>
@@ -1847,7 +2286,7 @@
           <a:p>
             <a:fld id="{4509A250-FF31-4206-8172-F9D3106AACB1}" type="datetimeFigureOut">
               <a:rPr lang="en-US" smtClean="0"/>
-              <a:t>1/6/2016</a:t>
+              <a:t>1/7/2016</a:t>
             </a:fld>
             <a:endParaRPr lang="en-US" dirty="0"/>
           </a:p>
@@ -2470,7 +2909,7 @@
           <a:p>
             <a:fld id="{4509A250-FF31-4206-8172-F9D3106AACB1}" type="datetimeFigureOut">
               <a:rPr lang="en-US" smtClean="0"/>
-              <a:t>1/6/2016</a:t>
+              <a:t>1/7/2016</a:t>
             </a:fld>
             <a:endParaRPr lang="en-US" dirty="0"/>
           </a:p>
@@ -3330,7 +3769,7 @@
           <a:p>
             <a:fld id="{4509A250-FF31-4206-8172-F9D3106AACB1}" type="datetimeFigureOut">
               <a:rPr lang="en-US" smtClean="0"/>
-              <a:t>1/6/2016</a:t>
+              <a:t>1/7/2016</a:t>
             </a:fld>
             <a:endParaRPr lang="en-US" dirty="0"/>
           </a:p>
@@ -3500,7 +3939,7 @@
           <a:p>
             <a:fld id="{4509A250-FF31-4206-8172-F9D3106AACB1}" type="datetimeFigureOut">
               <a:rPr lang="en-US" smtClean="0"/>
-              <a:t>1/6/2016</a:t>
+              <a:t>1/7/2016</a:t>
             </a:fld>
             <a:endParaRPr lang="en-US" dirty="0"/>
           </a:p>
@@ -3680,7 +4119,7 @@
           <a:p>
             <a:fld id="{4509A250-FF31-4206-8172-F9D3106AACB1}" type="datetimeFigureOut">
               <a:rPr lang="en-US" smtClean="0"/>
-              <a:t>1/6/2016</a:t>
+              <a:t>1/7/2016</a:t>
             </a:fld>
             <a:endParaRPr lang="en-US" dirty="0"/>
           </a:p>
@@ -3850,7 +4289,7 @@
           <a:p>
             <a:fld id="{4509A250-FF31-4206-8172-F9D3106AACB1}" type="datetimeFigureOut">
               <a:rPr lang="en-US" smtClean="0"/>
-              <a:t>1/6/2016</a:t>
+              <a:t>1/7/2016</a:t>
             </a:fld>
             <a:endParaRPr lang="en-US" dirty="0"/>
           </a:p>
@@ -4097,7 +4536,7 @@
           <a:p>
             <a:fld id="{9796027F-7875-4030-9381-8BD8C4F21935}" type="datetimeFigureOut">
               <a:rPr lang="en-US" smtClean="0"/>
-              <a:t>1/6/2016</a:t>
+              <a:t>1/7/2016</a:t>
             </a:fld>
             <a:endParaRPr lang="en-US" dirty="0"/>
           </a:p>
@@ -4389,7 +4828,7 @@
           <a:p>
             <a:fld id="{9796027F-7875-4030-9381-8BD8C4F21935}" type="datetimeFigureOut">
               <a:rPr lang="en-US" smtClean="0"/>
-              <a:t>1/6/2016</a:t>
+              <a:t>1/7/2016</a:t>
             </a:fld>
             <a:endParaRPr lang="en-US" dirty="0"/>
           </a:p>
@@ -4833,7 +5272,7 @@
           <a:p>
             <a:fld id="{9796027F-7875-4030-9381-8BD8C4F21935}" type="datetimeFigureOut">
               <a:rPr lang="en-US" smtClean="0"/>
-              <a:t>1/6/2016</a:t>
+              <a:t>1/7/2016</a:t>
             </a:fld>
             <a:endParaRPr lang="en-US" dirty="0"/>
           </a:p>
@@ -4951,7 +5390,7 @@
           <a:p>
             <a:fld id="{4509A250-FF31-4206-8172-F9D3106AACB1}" type="datetimeFigureOut">
               <a:rPr lang="en-US" smtClean="0"/>
-              <a:t>1/6/2016</a:t>
+              <a:t>1/7/2016</a:t>
             </a:fld>
             <a:endParaRPr lang="en-US" dirty="0"/>
           </a:p>
@@ -5046,7 +5485,7 @@
           <a:p>
             <a:fld id="{4509A250-FF31-4206-8172-F9D3106AACB1}" type="datetimeFigureOut">
               <a:rPr lang="en-US" smtClean="0"/>
-              <a:t>1/6/2016</a:t>
+              <a:t>1/7/2016</a:t>
             </a:fld>
             <a:endParaRPr lang="en-US" dirty="0"/>
           </a:p>
@@ -5325,7 +5764,7 @@
           <a:p>
             <a:fld id="{4509A250-FF31-4206-8172-F9D3106AACB1}" type="datetimeFigureOut">
               <a:rPr lang="en-US" smtClean="0"/>
-              <a:t>1/6/2016</a:t>
+              <a:t>1/7/2016</a:t>
             </a:fld>
             <a:endParaRPr lang="en-US" dirty="0"/>
           </a:p>
@@ -5600,7 +6039,7 @@
           <a:p>
             <a:fld id="{4509A250-FF31-4206-8172-F9D3106AACB1}" type="datetimeFigureOut">
               <a:rPr lang="en-US" smtClean="0"/>
-              <a:t>1/6/2016</a:t>
+              <a:t>1/7/2016</a:t>
             </a:fld>
             <a:endParaRPr lang="en-US" dirty="0"/>
           </a:p>
@@ -6165,7 +6604,7 @@
           <a:p>
             <a:fld id="{4AAD347D-5ACD-4C99-B74B-A9C85AD731AF}" type="datetimeFigureOut">
               <a:rPr lang="en-US" smtClean="0"/>
-              <a:t>1/6/2016</a:t>
+              <a:t>1/7/2016</a:t>
             </a:fld>
             <a:endParaRPr lang="en-US" dirty="0"/>
           </a:p>
@@ -7488,15 +7927,35 @@
             </a:r>
             <a:r>
               <a:rPr lang="zh-CN" altLang="en-US" sz="2800" dirty="0"/>
-              <a:t>类博客的标题、标签、主要</a:t>
+              <a:t>类博客的</a:t>
             </a:r>
             <a:r>
               <a:rPr lang="zh-CN" altLang="en-US" sz="2800" dirty="0" smtClean="0"/>
-              <a:t>内容</a:t>
+              <a:t>标题</a:t>
+            </a:r>
+            <a:r>
+              <a:rPr lang="zh-CN" altLang="en-US" sz="2800" dirty="0"/>
+              <a:t>和</a:t>
             </a:r>
             <a:r>
               <a:rPr lang="zh-CN" altLang="en-US" sz="2800" dirty="0" smtClean="0"/>
-              <a:t>。利用数据挖掘对</a:t>
+              <a:t>主要</a:t>
+            </a:r>
+            <a:r>
+              <a:rPr lang="zh-CN" altLang="en-US" sz="2800" dirty="0" smtClean="0"/>
+              <a:t>内容。</a:t>
+            </a:r>
+            <a:r>
+              <a:rPr lang="zh-CN" altLang="en-US" sz="2800" dirty="0" smtClean="0"/>
+              <a:t>利用</a:t>
+            </a:r>
+            <a:r>
+              <a:rPr lang="zh-CN" altLang="en-US" sz="2800" dirty="0" smtClean="0"/>
+              <a:t>分词提取关键词，</a:t>
+            </a:r>
+            <a:r>
+              <a:rPr lang="zh-CN" altLang="en-US" sz="2800" dirty="0" smtClean="0"/>
+              <a:t>对</a:t>
             </a:r>
             <a:r>
               <a:rPr lang="zh-CN" altLang="en-US" sz="2800" dirty="0" smtClean="0"/>
@@ -7548,11 +8007,7 @@
             </a:r>
             <a:r>
               <a:rPr lang="zh-CN" altLang="en-US" sz="2800" dirty="0" smtClean="0"/>
-              <a:t>。最后</a:t>
-            </a:r>
-            <a:r>
-              <a:rPr lang="zh-CN" altLang="en-US" sz="2800" dirty="0" smtClean="0"/>
-              <a:t>编写</a:t>
+              <a:t>。最后编写</a:t>
             </a:r>
             <a:r>
               <a:rPr lang="zh-CN" altLang="en-US" sz="2800" dirty="0"/>
@@ -8059,60 +8514,6 @@
           <a:chExt cx="0" cy="0"/>
         </a:xfrm>
       </p:grpSpPr>
-      <p:pic>
-        <p:nvPicPr>
-          <p:cNvPr id="1026" name="图片 1"/>
-          <p:cNvPicPr>
-            <a:picLocks noChangeAspect="1" noChangeArrowheads="1"/>
-          </p:cNvPicPr>
-          <p:nvPr/>
-        </p:nvPicPr>
-        <p:blipFill>
-          <a:blip r:embed="rId2">
-            <a:extLst>
-              <a:ext uri="{28A0092B-C50C-407E-A947-70E740481C1C}">
-                <a14:useLocalDpi xmlns:a14="http://schemas.microsoft.com/office/drawing/2010/main" val="0"/>
-              </a:ext>
-            </a:extLst>
-          </a:blip>
-          <a:srcRect l="1790"/>
-          <a:stretch>
-            <a:fillRect/>
-          </a:stretch>
-        </p:blipFill>
-        <p:spPr bwMode="auto">
-          <a:xfrm>
-            <a:off x="1572305" y="1250758"/>
-            <a:ext cx="4687817" cy="5433606"/>
-          </a:xfrm>
-          <a:prstGeom prst="rect">
-            <a:avLst/>
-          </a:prstGeom>
-          <a:noFill/>
-          <a:ln>
-            <a:noFill/>
-          </a:ln>
-          <a:extLst>
-            <a:ext uri="{909E8E84-426E-40DD-AFC4-6F175D3DCCD1}">
-              <a14:hiddenFill xmlns:a14="http://schemas.microsoft.com/office/drawing/2010/main">
-                <a:solidFill>
-                  <a:srgbClr val="FFFFFF"/>
-                </a:solidFill>
-              </a14:hiddenFill>
-            </a:ext>
-            <a:ext uri="{91240B29-F687-4F45-9708-019B960494DF}">
-              <a14:hiddenLine xmlns:a14="http://schemas.microsoft.com/office/drawing/2010/main" w="9525">
-                <a:solidFill>
-                  <a:srgbClr val="000000"/>
-                </a:solidFill>
-                <a:miter lim="800000"/>
-                <a:headEnd/>
-                <a:tailEnd/>
-              </a14:hiddenLine>
-            </a:ext>
-          </a:extLst>
-        </p:spPr>
-      </p:pic>
       <p:sp>
         <p:nvSpPr>
           <p:cNvPr id="3" name="文本框 2"/>
@@ -8151,7 +8552,7 @@
         </p:nvSpPr>
         <p:spPr>
           <a:xfrm>
-            <a:off x="6605224" y="4846668"/>
+            <a:off x="6605224" y="3806487"/>
             <a:ext cx="2334293" cy="455189"/>
           </a:xfrm>
           <a:prstGeom prst="rect">
@@ -8190,7 +8591,7 @@
         </p:nvSpPr>
         <p:spPr>
           <a:xfrm>
-            <a:off x="6605224" y="3399457"/>
+            <a:off x="6589994" y="4833635"/>
             <a:ext cx="942887" cy="455189"/>
           </a:xfrm>
           <a:prstGeom prst="rect">
@@ -8298,6 +8699,30 @@
           </a:p>
         </p:txBody>
       </p:sp>
+      <p:pic>
+        <p:nvPicPr>
+          <p:cNvPr id="2" name="图片 1"/>
+          <p:cNvPicPr>
+            <a:picLocks noChangeAspect="1"/>
+          </p:cNvPicPr>
+          <p:nvPr/>
+        </p:nvPicPr>
+        <p:blipFill>
+          <a:blip r:embed="rId3"/>
+          <a:stretch>
+            <a:fillRect/>
+          </a:stretch>
+        </p:blipFill>
+        <p:spPr>
+          <a:xfrm>
+            <a:off x="974690" y="1610918"/>
+            <a:ext cx="5296750" cy="5023388"/>
+          </a:xfrm>
+          <a:prstGeom prst="rect">
+            <a:avLst/>
+          </a:prstGeom>
+        </p:spPr>
+      </p:pic>
     </p:spTree>
     <p:extLst>
       <p:ext uri="{BB962C8B-B14F-4D97-AF65-F5344CB8AC3E}">
@@ -8424,7 +8849,7 @@
           <p:nvPr/>
         </p:nvPicPr>
         <p:blipFill>
-          <a:blip r:embed="rId2">
+          <a:blip r:embed="rId3">
             <a:extLst>
               <a:ext uri="{28A0092B-C50C-407E-A947-70E740481C1C}">
                 <a14:useLocalDpi xmlns:a14="http://schemas.microsoft.com/office/drawing/2010/main" val="0"/>
